--- a/Vrinda Store Data Analysis.pptx
+++ b/Vrinda Store Data Analysis.pptx
@@ -23633,7 +23633,7 @@
             </a:pPr>
             <a:r>
               <a:rPr lang="en-US" dirty="0"/>
-              <a:t>At This analysis offers valuable insights into the sales dynamics and customer behaviour of Vrinda Store, a renowned fashion brand. By delving into the dataset from 2022, we have uncovered key trends and patterns that will empower us to make informed business decisions. Join us as we explore the exciting findings that lie ahead. Let's get started!</a:t>
+              <a:t>At This analysis offers valuable insights into the sales dynamics and customer behaviour of Vrinda Store, a fashion store. By delving into the dataset from 2022, we have uncovered key trends and patterns that will empower us to make informed business decisions. Join us as we explore the exciting findings that lie ahead. Let's get started!</a:t>
             </a:r>
           </a:p>
           <a:p>
